--- a/RS/VBPR.pptx
+++ b/RS/VBPR.pptx
@@ -5,7 +5,7 @@
     <p:sldMasterId id="2147483648" r:id="rId1"/>
   </p:sldMasterIdLst>
   <p:notesMasterIdLst>
-    <p:notesMasterId r:id="rId18"/>
+    <p:notesMasterId r:id="rId21"/>
   </p:notesMasterIdLst>
   <p:sldIdLst>
     <p:sldId id="256" r:id="rId2"/>
@@ -18,12 +18,15 @@
     <p:sldId id="263" r:id="rId9"/>
     <p:sldId id="265" r:id="rId10"/>
     <p:sldId id="264" r:id="rId11"/>
-    <p:sldId id="266" r:id="rId12"/>
-    <p:sldId id="267" r:id="rId13"/>
-    <p:sldId id="269" r:id="rId14"/>
-    <p:sldId id="268" r:id="rId15"/>
-    <p:sldId id="270" r:id="rId16"/>
-    <p:sldId id="271" r:id="rId17"/>
+    <p:sldId id="273" r:id="rId12"/>
+    <p:sldId id="266" r:id="rId13"/>
+    <p:sldId id="267" r:id="rId14"/>
+    <p:sldId id="269" r:id="rId15"/>
+    <p:sldId id="268" r:id="rId16"/>
+    <p:sldId id="272" r:id="rId17"/>
+    <p:sldId id="274" r:id="rId18"/>
+    <p:sldId id="270" r:id="rId19"/>
+    <p:sldId id="271" r:id="rId20"/>
   </p:sldIdLst>
   <p:sldSz cx="12192000" cy="6858000"/>
   <p:notesSz cx="6858000" cy="9144000"/>
@@ -122,6 +125,11 @@
       </a:defRPr>
     </a:lvl9pPr>
   </p:defaultTextStyle>
+  <p:extLst>
+    <p:ext uri="{EFAFB233-063F-42B5-8137-9DF3F51BA10A}">
+      <p15:sldGuideLst xmlns:p15="http://schemas.microsoft.com/office/powerpoint/2012/main"/>
+    </p:ext>
+  </p:extLst>
 </p:presentation>
 </file>
 
@@ -207,7 +215,7 @@
           <a:p>
             <a:fld id="{22F2A2B4-188B-454C-BDC2-713E51607E50}" type="datetimeFigureOut">
               <a:rPr lang="zh-CN" altLang="en-US" smtClean="0"/>
-              <a:t>2017/5/22</a:t>
+              <a:t>2017/5/23</a:t>
             </a:fld>
             <a:endParaRPr lang="zh-CN" altLang="en-US"/>
           </a:p>
@@ -559,6 +567,266 @@
 </p:notes>
 </file>
 
+<file path=ppt/notesSlides/notesSlide10.xml><?xml version="1.0" encoding="utf-8"?>
+<p:notes xmlns:a="http://schemas.openxmlformats.org/drawingml/2006/main" xmlns:r="http://schemas.openxmlformats.org/officeDocument/2006/relationships" xmlns:p="http://schemas.openxmlformats.org/presentationml/2006/main">
+  <p:cSld>
+    <p:spTree>
+      <p:nvGrpSpPr>
+        <p:cNvPr id="1" name=""/>
+        <p:cNvGrpSpPr/>
+        <p:nvPr/>
+      </p:nvGrpSpPr>
+      <p:grpSpPr>
+        <a:xfrm>
+          <a:off x="0" y="0"/>
+          <a:ext cx="0" cy="0"/>
+          <a:chOff x="0" y="0"/>
+          <a:chExt cx="0" cy="0"/>
+        </a:xfrm>
+      </p:grpSpPr>
+      <p:sp>
+        <p:nvSpPr>
+          <p:cNvPr id="2" name="幻灯片图像占位符 1"/>
+          <p:cNvSpPr>
+            <a:spLocks noGrp="1" noRot="1" noChangeAspect="1"/>
+          </p:cNvSpPr>
+          <p:nvPr>
+            <p:ph type="sldImg"/>
+          </p:nvPr>
+        </p:nvSpPr>
+        <p:spPr/>
+      </p:sp>
+      <p:sp>
+        <p:nvSpPr>
+          <p:cNvPr id="3" name="备注占位符 2"/>
+          <p:cNvSpPr>
+            <a:spLocks noGrp="1"/>
+          </p:cNvSpPr>
+          <p:nvPr>
+            <p:ph type="body" idx="1"/>
+          </p:nvPr>
+        </p:nvSpPr>
+        <p:spPr/>
+        <p:txBody>
+          <a:bodyPr/>
+          <a:lstStyle/>
+          <a:p>
+            <a:r>
+              <a:rPr lang="en-US" altLang="zh-CN" dirty="0" smtClean="0"/>
+              <a:t>cdl</a:t>
+            </a:r>
+            <a:endParaRPr lang="zh-CN" altLang="en-US" dirty="0"/>
+          </a:p>
+        </p:txBody>
+      </p:sp>
+      <p:sp>
+        <p:nvSpPr>
+          <p:cNvPr id="4" name="灯片编号占位符 3"/>
+          <p:cNvSpPr>
+            <a:spLocks noGrp="1"/>
+          </p:cNvSpPr>
+          <p:nvPr>
+            <p:ph type="sldNum" sz="quarter" idx="10"/>
+          </p:nvPr>
+        </p:nvSpPr>
+        <p:spPr/>
+        <p:txBody>
+          <a:bodyPr/>
+          <a:lstStyle/>
+          <a:p>
+            <a:fld id="{D7BBD2E6-2CA2-4FF8-A159-E67D50352D75}" type="slidenum">
+              <a:rPr lang="zh-CN" altLang="en-US" smtClean="0"/>
+              <a:t>16</a:t>
+            </a:fld>
+            <a:endParaRPr lang="zh-CN" altLang="en-US"/>
+          </a:p>
+        </p:txBody>
+      </p:sp>
+    </p:spTree>
+    <p:extLst>
+      <p:ext uri="{BB962C8B-B14F-4D97-AF65-F5344CB8AC3E}">
+        <p14:creationId xmlns:p14="http://schemas.microsoft.com/office/powerpoint/2010/main" val="3903566358"/>
+      </p:ext>
+    </p:extLst>
+  </p:cSld>
+  <p:clrMapOvr>
+    <a:masterClrMapping/>
+  </p:clrMapOvr>
+</p:notes>
+</file>
+
+<file path=ppt/notesSlides/notesSlide11.xml><?xml version="1.0" encoding="utf-8"?>
+<p:notes xmlns:a="http://schemas.openxmlformats.org/drawingml/2006/main" xmlns:r="http://schemas.openxmlformats.org/officeDocument/2006/relationships" xmlns:p="http://schemas.openxmlformats.org/presentationml/2006/main">
+  <p:cSld>
+    <p:spTree>
+      <p:nvGrpSpPr>
+        <p:cNvPr id="1" name=""/>
+        <p:cNvGrpSpPr/>
+        <p:nvPr/>
+      </p:nvGrpSpPr>
+      <p:grpSpPr>
+        <a:xfrm>
+          <a:off x="0" y="0"/>
+          <a:ext cx="0" cy="0"/>
+          <a:chOff x="0" y="0"/>
+          <a:chExt cx="0" cy="0"/>
+        </a:xfrm>
+      </p:grpSpPr>
+      <p:sp>
+        <p:nvSpPr>
+          <p:cNvPr id="2" name="幻灯片图像占位符 1"/>
+          <p:cNvSpPr>
+            <a:spLocks noGrp="1" noRot="1" noChangeAspect="1"/>
+          </p:cNvSpPr>
+          <p:nvPr>
+            <p:ph type="sldImg"/>
+          </p:nvPr>
+        </p:nvSpPr>
+        <p:spPr/>
+      </p:sp>
+      <p:sp>
+        <p:nvSpPr>
+          <p:cNvPr id="3" name="备注占位符 2"/>
+          <p:cNvSpPr>
+            <a:spLocks noGrp="1"/>
+          </p:cNvSpPr>
+          <p:nvPr>
+            <p:ph type="body" idx="1"/>
+          </p:nvPr>
+        </p:nvSpPr>
+        <p:spPr/>
+        <p:txBody>
+          <a:bodyPr/>
+          <a:lstStyle/>
+          <a:p>
+            <a:r>
+              <a:rPr lang="en-US" altLang="zh-CN" dirty="0" err="1" smtClean="0"/>
+              <a:t>dcf</a:t>
+            </a:r>
+            <a:endParaRPr lang="zh-CN" altLang="en-US" dirty="0"/>
+          </a:p>
+        </p:txBody>
+      </p:sp>
+      <p:sp>
+        <p:nvSpPr>
+          <p:cNvPr id="4" name="灯片编号占位符 3"/>
+          <p:cNvSpPr>
+            <a:spLocks noGrp="1"/>
+          </p:cNvSpPr>
+          <p:nvPr>
+            <p:ph type="sldNum" sz="quarter" idx="10"/>
+          </p:nvPr>
+        </p:nvSpPr>
+        <p:spPr/>
+        <p:txBody>
+          <a:bodyPr/>
+          <a:lstStyle/>
+          <a:p>
+            <a:fld id="{D7BBD2E6-2CA2-4FF8-A159-E67D50352D75}" type="slidenum">
+              <a:rPr lang="zh-CN" altLang="en-US" smtClean="0"/>
+              <a:t>17</a:t>
+            </a:fld>
+            <a:endParaRPr lang="zh-CN" altLang="en-US"/>
+          </a:p>
+        </p:txBody>
+      </p:sp>
+    </p:spTree>
+    <p:extLst>
+      <p:ext uri="{BB962C8B-B14F-4D97-AF65-F5344CB8AC3E}">
+        <p14:creationId xmlns:p14="http://schemas.microsoft.com/office/powerpoint/2010/main" val="3780126186"/>
+      </p:ext>
+    </p:extLst>
+  </p:cSld>
+  <p:clrMapOvr>
+    <a:masterClrMapping/>
+  </p:clrMapOvr>
+</p:notes>
+</file>
+
+<file path=ppt/notesSlides/notesSlide12.xml><?xml version="1.0" encoding="utf-8"?>
+<p:notes xmlns:a="http://schemas.openxmlformats.org/drawingml/2006/main" xmlns:r="http://schemas.openxmlformats.org/officeDocument/2006/relationships" xmlns:p="http://schemas.openxmlformats.org/presentationml/2006/main">
+  <p:cSld>
+    <p:spTree>
+      <p:nvGrpSpPr>
+        <p:cNvPr id="1" name=""/>
+        <p:cNvGrpSpPr/>
+        <p:nvPr/>
+      </p:nvGrpSpPr>
+      <p:grpSpPr>
+        <a:xfrm>
+          <a:off x="0" y="0"/>
+          <a:ext cx="0" cy="0"/>
+          <a:chOff x="0" y="0"/>
+          <a:chExt cx="0" cy="0"/>
+        </a:xfrm>
+      </p:grpSpPr>
+      <p:sp>
+        <p:nvSpPr>
+          <p:cNvPr id="2" name="幻灯片图像占位符 1"/>
+          <p:cNvSpPr>
+            <a:spLocks noGrp="1" noRot="1" noChangeAspect="1"/>
+          </p:cNvSpPr>
+          <p:nvPr>
+            <p:ph type="sldImg"/>
+          </p:nvPr>
+        </p:nvSpPr>
+        <p:spPr/>
+      </p:sp>
+      <p:sp>
+        <p:nvSpPr>
+          <p:cNvPr id="3" name="备注占位符 2"/>
+          <p:cNvSpPr>
+            <a:spLocks noGrp="1"/>
+          </p:cNvSpPr>
+          <p:nvPr>
+            <p:ph type="body" idx="1"/>
+          </p:nvPr>
+        </p:nvSpPr>
+        <p:spPr/>
+        <p:txBody>
+          <a:bodyPr/>
+          <a:lstStyle/>
+          <a:p>
+            <a:endParaRPr lang="zh-CN" altLang="en-US" dirty="0"/>
+          </a:p>
+        </p:txBody>
+      </p:sp>
+      <p:sp>
+        <p:nvSpPr>
+          <p:cNvPr id="4" name="灯片编号占位符 3"/>
+          <p:cNvSpPr>
+            <a:spLocks noGrp="1"/>
+          </p:cNvSpPr>
+          <p:nvPr>
+            <p:ph type="sldNum" sz="quarter" idx="10"/>
+          </p:nvPr>
+        </p:nvSpPr>
+        <p:spPr/>
+        <p:txBody>
+          <a:bodyPr/>
+          <a:lstStyle/>
+          <a:p>
+            <a:fld id="{D7BBD2E6-2CA2-4FF8-A159-E67D50352D75}" type="slidenum">
+              <a:rPr lang="zh-CN" altLang="en-US" smtClean="0"/>
+              <a:t>18</a:t>
+            </a:fld>
+            <a:endParaRPr lang="zh-CN" altLang="en-US"/>
+          </a:p>
+        </p:txBody>
+      </p:sp>
+    </p:spTree>
+    <p:extLst>
+      <p:ext uri="{BB962C8B-B14F-4D97-AF65-F5344CB8AC3E}">
+        <p14:creationId xmlns:p14="http://schemas.microsoft.com/office/powerpoint/2010/main" val="2117893306"/>
+      </p:ext>
+    </p:extLst>
+  </p:cSld>
+  <p:clrMapOvr>
+    <a:masterClrMapping/>
+  </p:clrMapOvr>
+</p:notes>
+</file>
+
 <file path=ppt/notesSlides/notesSlide2.xml><?xml version="1.0" encoding="utf-8"?>
 <p:notes xmlns:a="http://schemas.openxmlformats.org/drawingml/2006/main" xmlns:r="http://schemas.openxmlformats.org/officeDocument/2006/relationships" xmlns:p="http://schemas.openxmlformats.org/presentationml/2006/main">
   <p:cSld>
@@ -968,7 +1236,7 @@
           <a:p>
             <a:fld id="{D7BBD2E6-2CA2-4FF8-A159-E67D50352D75}" type="slidenum">
               <a:rPr lang="zh-CN" altLang="en-US" smtClean="0"/>
-              <a:t>11</a:t>
+              <a:t>12</a:t>
             </a:fld>
             <a:endParaRPr lang="zh-CN" altLang="en-US"/>
           </a:p>
@@ -1119,7 +1387,7 @@
           <a:p>
             <a:fld id="{D7BBD2E6-2CA2-4FF8-A159-E67D50352D75}" type="slidenum">
               <a:rPr lang="zh-CN" altLang="en-US" smtClean="0"/>
-              <a:t>12</a:t>
+              <a:t>13</a:t>
             </a:fld>
             <a:endParaRPr lang="zh-CN" altLang="en-US"/>
           </a:p>
@@ -1203,7 +1471,7 @@
           <a:p>
             <a:fld id="{D7BBD2E6-2CA2-4FF8-A159-E67D50352D75}" type="slidenum">
               <a:rPr lang="zh-CN" altLang="en-US" smtClean="0"/>
-              <a:t>13</a:t>
+              <a:t>14</a:t>
             </a:fld>
             <a:endParaRPr lang="zh-CN" altLang="en-US"/>
           </a:p>
@@ -1266,6 +1534,82 @@
           <a:bodyPr/>
           <a:lstStyle/>
           <a:p>
+            <a:r>
+              <a:rPr lang="zh-CN" altLang="en-US" dirty="0" smtClean="0"/>
+              <a:t>优点： 利用</a:t>
+            </a:r>
+            <a:r>
+              <a:rPr lang="en-US" altLang="zh-CN" dirty="0" smtClean="0"/>
+              <a:t>PMF</a:t>
+            </a:r>
+            <a:r>
+              <a:rPr lang="zh-CN" altLang="en-US" dirty="0" smtClean="0"/>
+              <a:t>来解释正则化项，解释了正则化项是一种先验，基于我们已有的知识对要学习的映射的结构进行一定限制。但是</a:t>
+            </a:r>
+            <a:r>
+              <a:rPr lang="en-US" altLang="zh-CN" dirty="0" smtClean="0"/>
+              <a:t>PMF</a:t>
+            </a:r>
+            <a:r>
+              <a:rPr lang="zh-CN" altLang="en-US" dirty="0" smtClean="0"/>
+              <a:t>的之时选用了非常宽泛的高斯先验，针对于基于评分推荐这一具体应用场景，其信息含量就少了许多。</a:t>
+            </a:r>
+            <a:endParaRPr lang="en-US" altLang="zh-CN" dirty="0" smtClean="0"/>
+          </a:p>
+          <a:p>
+            <a:r>
+              <a:rPr lang="en-US" altLang="zh-CN" dirty="0" smtClean="0"/>
+              <a:t>BPMF</a:t>
+            </a:r>
+            <a:r>
+              <a:rPr lang="zh-CN" altLang="en-US" dirty="0" smtClean="0"/>
+              <a:t>在初始化</a:t>
+            </a:r>
+            <a:r>
+              <a:rPr lang="en-US" altLang="zh-CN" dirty="0" smtClean="0"/>
+              <a:t>User</a:t>
+            </a:r>
+            <a:r>
+              <a:rPr lang="zh-CN" altLang="en-US" dirty="0" smtClean="0"/>
+              <a:t>的向量的时候，使用了评分的评分的信息，使其信息更丰富。</a:t>
+            </a:r>
+            <a:endParaRPr lang="en-US" altLang="zh-CN" dirty="0" smtClean="0"/>
+          </a:p>
+          <a:p>
+            <a:r>
+              <a:rPr lang="zh-CN" altLang="en-US" dirty="0" smtClean="0"/>
+              <a:t>本文的一大优点就是使用</a:t>
+            </a:r>
+            <a:r>
+              <a:rPr lang="en-US" altLang="zh-CN" dirty="0" smtClean="0"/>
+              <a:t>auto encoder</a:t>
+            </a:r>
+            <a:r>
+              <a:rPr lang="zh-CN" altLang="en-US" dirty="0" smtClean="0"/>
+              <a:t>的方法再利用了评分的信息。</a:t>
+            </a:r>
+            <a:endParaRPr lang="en-US" altLang="zh-CN" dirty="0" smtClean="0"/>
+          </a:p>
+          <a:p>
+            <a:r>
+              <a:rPr lang="zh-CN" altLang="en-US" dirty="0" smtClean="0"/>
+              <a:t>缺点：利用神经网络训练出来的特征向量和</a:t>
+            </a:r>
+            <a:r>
+              <a:rPr lang="en-US" altLang="zh-CN" dirty="0" smtClean="0"/>
+              <a:t>U,V</a:t>
+            </a:r>
+            <a:r>
+              <a:rPr lang="zh-CN" altLang="en-US" dirty="0" smtClean="0"/>
+              <a:t>隐藏因子的集合没说清楚。</a:t>
+            </a:r>
+            <a:endParaRPr lang="en-US" altLang="zh-CN" dirty="0" smtClean="0"/>
+          </a:p>
+          <a:p>
+            <a:r>
+              <a:rPr lang="zh-CN" altLang="en-US" dirty="0" smtClean="0"/>
+              <a:t>下面介绍两种结合方式。</a:t>
+            </a:r>
             <a:endParaRPr lang="zh-CN" altLang="en-US" dirty="0"/>
           </a:p>
         </p:txBody>
@@ -1287,7 +1631,7 @@
           <a:p>
             <a:fld id="{D7BBD2E6-2CA2-4FF8-A159-E67D50352D75}" type="slidenum">
               <a:rPr lang="zh-CN" altLang="en-US" smtClean="0"/>
-              <a:t>14</a:t>
+              <a:t>15</a:t>
             </a:fld>
             <a:endParaRPr lang="zh-CN" altLang="en-US"/>
           </a:p>
@@ -1437,7 +1781,7 @@
           <a:p>
             <a:fld id="{362C170A-85A9-41F3-B04F-83D9FF212610}" type="datetimeFigureOut">
               <a:rPr lang="zh-CN" altLang="en-US" smtClean="0"/>
-              <a:t>2017/5/22</a:t>
+              <a:t>2017/5/23</a:t>
             </a:fld>
             <a:endParaRPr lang="zh-CN" altLang="en-US"/>
           </a:p>
@@ -1607,7 +1951,7 @@
           <a:p>
             <a:fld id="{362C170A-85A9-41F3-B04F-83D9FF212610}" type="datetimeFigureOut">
               <a:rPr lang="zh-CN" altLang="en-US" smtClean="0"/>
-              <a:t>2017/5/22</a:t>
+              <a:t>2017/5/23</a:t>
             </a:fld>
             <a:endParaRPr lang="zh-CN" altLang="en-US"/>
           </a:p>
@@ -1787,7 +2131,7 @@
           <a:p>
             <a:fld id="{362C170A-85A9-41F3-B04F-83D9FF212610}" type="datetimeFigureOut">
               <a:rPr lang="zh-CN" altLang="en-US" smtClean="0"/>
-              <a:t>2017/5/22</a:t>
+              <a:t>2017/5/23</a:t>
             </a:fld>
             <a:endParaRPr lang="zh-CN" altLang="en-US"/>
           </a:p>
@@ -1957,7 +2301,7 @@
           <a:p>
             <a:fld id="{362C170A-85A9-41F3-B04F-83D9FF212610}" type="datetimeFigureOut">
               <a:rPr lang="zh-CN" altLang="en-US" smtClean="0"/>
-              <a:t>2017/5/22</a:t>
+              <a:t>2017/5/23</a:t>
             </a:fld>
             <a:endParaRPr lang="zh-CN" altLang="en-US"/>
           </a:p>
@@ -2203,7 +2547,7 @@
           <a:p>
             <a:fld id="{362C170A-85A9-41F3-B04F-83D9FF212610}" type="datetimeFigureOut">
               <a:rPr lang="zh-CN" altLang="en-US" smtClean="0"/>
-              <a:t>2017/5/22</a:t>
+              <a:t>2017/5/23</a:t>
             </a:fld>
             <a:endParaRPr lang="zh-CN" altLang="en-US"/>
           </a:p>
@@ -2435,7 +2779,7 @@
           <a:p>
             <a:fld id="{362C170A-85A9-41F3-B04F-83D9FF212610}" type="datetimeFigureOut">
               <a:rPr lang="zh-CN" altLang="en-US" smtClean="0"/>
-              <a:t>2017/5/22</a:t>
+              <a:t>2017/5/23</a:t>
             </a:fld>
             <a:endParaRPr lang="zh-CN" altLang="en-US"/>
           </a:p>
@@ -2802,7 +3146,7 @@
           <a:p>
             <a:fld id="{362C170A-85A9-41F3-B04F-83D9FF212610}" type="datetimeFigureOut">
               <a:rPr lang="zh-CN" altLang="en-US" smtClean="0"/>
-              <a:t>2017/5/22</a:t>
+              <a:t>2017/5/23</a:t>
             </a:fld>
             <a:endParaRPr lang="zh-CN" altLang="en-US"/>
           </a:p>
@@ -2920,7 +3264,7 @@
           <a:p>
             <a:fld id="{362C170A-85A9-41F3-B04F-83D9FF212610}" type="datetimeFigureOut">
               <a:rPr lang="zh-CN" altLang="en-US" smtClean="0"/>
-              <a:t>2017/5/22</a:t>
+              <a:t>2017/5/23</a:t>
             </a:fld>
             <a:endParaRPr lang="zh-CN" altLang="en-US"/>
           </a:p>
@@ -3015,7 +3359,7 @@
           <a:p>
             <a:fld id="{362C170A-85A9-41F3-B04F-83D9FF212610}" type="datetimeFigureOut">
               <a:rPr lang="zh-CN" altLang="en-US" smtClean="0"/>
-              <a:t>2017/5/22</a:t>
+              <a:t>2017/5/23</a:t>
             </a:fld>
             <a:endParaRPr lang="zh-CN" altLang="en-US"/>
           </a:p>
@@ -3292,7 +3636,7 @@
           <a:p>
             <a:fld id="{362C170A-85A9-41F3-B04F-83D9FF212610}" type="datetimeFigureOut">
               <a:rPr lang="zh-CN" altLang="en-US" smtClean="0"/>
-              <a:t>2017/5/22</a:t>
+              <a:t>2017/5/23</a:t>
             </a:fld>
             <a:endParaRPr lang="zh-CN" altLang="en-US"/>
           </a:p>
@@ -3545,7 +3889,7 @@
           <a:p>
             <a:fld id="{362C170A-85A9-41F3-B04F-83D9FF212610}" type="datetimeFigureOut">
               <a:rPr lang="zh-CN" altLang="en-US" smtClean="0"/>
-              <a:t>2017/5/22</a:t>
+              <a:t>2017/5/23</a:t>
             </a:fld>
             <a:endParaRPr lang="zh-CN" altLang="en-US"/>
           </a:p>
@@ -3758,7 +4102,7 @@
           <a:p>
             <a:fld id="{362C170A-85A9-41F3-B04F-83D9FF212610}" type="datetimeFigureOut">
               <a:rPr lang="zh-CN" altLang="en-US" smtClean="0"/>
-              <a:t>2017/5/22</a:t>
+              <a:t>2017/5/23</a:t>
             </a:fld>
             <a:endParaRPr lang="zh-CN" altLang="en-US"/>
           </a:p>
@@ -4305,7 +4649,7 @@
         </p:blipFill>
         <p:spPr>
           <a:xfrm>
-            <a:off x="1878721" y="1605344"/>
+            <a:off x="1617133" y="1826154"/>
             <a:ext cx="8655167" cy="4351338"/>
           </a:xfrm>
         </p:spPr>
@@ -4324,6 +4668,177 @@
 </file>
 
 <file path=ppt/slides/slide11.xml><?xml version="1.0" encoding="utf-8"?>
+<p:sld xmlns:a="http://schemas.openxmlformats.org/drawingml/2006/main" xmlns:r="http://schemas.openxmlformats.org/officeDocument/2006/relationships" xmlns:p="http://schemas.openxmlformats.org/presentationml/2006/main">
+  <p:cSld>
+    <p:spTree>
+      <p:nvGrpSpPr>
+        <p:cNvPr id="1" name=""/>
+        <p:cNvGrpSpPr/>
+        <p:nvPr/>
+      </p:nvGrpSpPr>
+      <p:grpSpPr>
+        <a:xfrm>
+          <a:off x="0" y="0"/>
+          <a:ext cx="0" cy="0"/>
+          <a:chOff x="0" y="0"/>
+          <a:chExt cx="0" cy="0"/>
+        </a:xfrm>
+      </p:grpSpPr>
+      <p:sp>
+        <p:nvSpPr>
+          <p:cNvPr id="2" name="标题 1"/>
+          <p:cNvSpPr>
+            <a:spLocks noGrp="1"/>
+          </p:cNvSpPr>
+          <p:nvPr>
+            <p:ph type="title"/>
+          </p:nvPr>
+        </p:nvSpPr>
+        <p:spPr/>
+        <p:txBody>
+          <a:bodyPr/>
+          <a:lstStyle/>
+          <a:p>
+            <a:r>
+              <a:rPr lang="en-US" altLang="zh-CN" dirty="0" err="1"/>
+              <a:t>aDAE</a:t>
+            </a:r>
+            <a:r>
+              <a:rPr lang="en-US" altLang="zh-CN" dirty="0"/>
+              <a:t> and </a:t>
+            </a:r>
+            <a:r>
+              <a:rPr lang="en-US" altLang="zh-CN" dirty="0" err="1"/>
+              <a:t>aSDAE</a:t>
+            </a:r>
+            <a:r>
+              <a:rPr lang="en-US" altLang="zh-CN" dirty="0"/>
+              <a:t> </a:t>
+            </a:r>
+            <a:endParaRPr lang="zh-CN" altLang="en-US" dirty="0"/>
+          </a:p>
+        </p:txBody>
+      </p:sp>
+      <p:sp>
+        <p:nvSpPr>
+          <p:cNvPr id="4" name="内容占位符 3"/>
+          <p:cNvSpPr>
+            <a:spLocks noGrp="1"/>
+          </p:cNvSpPr>
+          <p:nvPr>
+            <p:ph sz="half" idx="1"/>
+          </p:nvPr>
+        </p:nvSpPr>
+        <p:spPr/>
+        <p:txBody>
+          <a:bodyPr/>
+          <a:lstStyle/>
+          <a:p>
+            <a:r>
+              <a:rPr lang="en-US" altLang="zh-CN" dirty="0" err="1" smtClean="0"/>
+              <a:t>aDAE</a:t>
+            </a:r>
+            <a:endParaRPr lang="zh-CN" altLang="en-US" dirty="0"/>
+          </a:p>
+        </p:txBody>
+      </p:sp>
+      <p:sp>
+        <p:nvSpPr>
+          <p:cNvPr id="5" name="内容占位符 4"/>
+          <p:cNvSpPr>
+            <a:spLocks noGrp="1"/>
+          </p:cNvSpPr>
+          <p:nvPr>
+            <p:ph sz="half" idx="2"/>
+          </p:nvPr>
+        </p:nvSpPr>
+        <p:spPr/>
+        <p:txBody>
+          <a:bodyPr/>
+          <a:lstStyle/>
+          <a:p>
+            <a:r>
+              <a:rPr lang="en-US" altLang="zh-CN" dirty="0" err="1" smtClean="0"/>
+              <a:t>aSADE</a:t>
+            </a:r>
+            <a:endParaRPr lang="zh-CN" altLang="en-US" dirty="0"/>
+          </a:p>
+        </p:txBody>
+      </p:sp>
+      <p:pic>
+        <p:nvPicPr>
+          <p:cNvPr id="7" name="图片 6"/>
+          <p:cNvPicPr>
+            <a:picLocks noChangeAspect="1"/>
+          </p:cNvPicPr>
+          <p:nvPr/>
+        </p:nvPicPr>
+        <p:blipFill>
+          <a:blip r:embed="rId2">
+            <a:extLst>
+              <a:ext uri="{28A0092B-C50C-407E-A947-70E740481C1C}">
+                <a14:useLocalDpi xmlns:a14="http://schemas.microsoft.com/office/drawing/2010/main" val="0"/>
+              </a:ext>
+            </a:extLst>
+          </a:blip>
+          <a:stretch>
+            <a:fillRect/>
+          </a:stretch>
+        </p:blipFill>
+        <p:spPr>
+          <a:xfrm>
+            <a:off x="838200" y="2855976"/>
+            <a:ext cx="4372921" cy="1770852"/>
+          </a:xfrm>
+          <a:prstGeom prst="rect">
+            <a:avLst/>
+          </a:prstGeom>
+        </p:spPr>
+      </p:pic>
+      <p:pic>
+        <p:nvPicPr>
+          <p:cNvPr id="8" name="图片 7"/>
+          <p:cNvPicPr>
+            <a:picLocks noChangeAspect="1"/>
+          </p:cNvPicPr>
+          <p:nvPr/>
+        </p:nvPicPr>
+        <p:blipFill>
+          <a:blip r:embed="rId3">
+            <a:extLst>
+              <a:ext uri="{28A0092B-C50C-407E-A947-70E740481C1C}">
+                <a14:useLocalDpi xmlns:a14="http://schemas.microsoft.com/office/drawing/2010/main" val="0"/>
+              </a:ext>
+            </a:extLst>
+          </a:blip>
+          <a:stretch>
+            <a:fillRect/>
+          </a:stretch>
+        </p:blipFill>
+        <p:spPr>
+          <a:xfrm>
+            <a:off x="6019800" y="2855976"/>
+            <a:ext cx="5829805" cy="2591025"/>
+          </a:xfrm>
+          <a:prstGeom prst="rect">
+            <a:avLst/>
+          </a:prstGeom>
+        </p:spPr>
+      </p:pic>
+    </p:spTree>
+    <p:extLst>
+      <p:ext uri="{BB962C8B-B14F-4D97-AF65-F5344CB8AC3E}">
+        <p14:creationId xmlns:p14="http://schemas.microsoft.com/office/powerpoint/2010/main" val="1701462634"/>
+      </p:ext>
+    </p:extLst>
+  </p:cSld>
+  <p:clrMapOvr>
+    <a:masterClrMapping/>
+  </p:clrMapOvr>
+</p:sld>
+</file>
+
+<file path=ppt/slides/slide12.xml><?xml version="1.0" encoding="utf-8"?>
 <p:sld xmlns:a="http://schemas.openxmlformats.org/drawingml/2006/main" xmlns:r="http://schemas.openxmlformats.org/officeDocument/2006/relationships" xmlns:p="http://schemas.openxmlformats.org/presentationml/2006/main">
   <p:cSld>
     <p:spTree>
@@ -4509,7 +5024,7 @@
 </p:sld>
 </file>
 
-<file path=ppt/slides/slide12.xml><?xml version="1.0" encoding="utf-8"?>
+<file path=ppt/slides/slide13.xml><?xml version="1.0" encoding="utf-8"?>
 <p:sld xmlns:a="http://schemas.openxmlformats.org/drawingml/2006/main" xmlns:r="http://schemas.openxmlformats.org/officeDocument/2006/relationships" xmlns:p="http://schemas.openxmlformats.org/presentationml/2006/main">
   <p:cSld>
     <p:spTree>
@@ -4590,7 +5105,7 @@
 </p:sld>
 </file>
 
-<file path=ppt/slides/slide13.xml><?xml version="1.0" encoding="utf-8"?>
+<file path=ppt/slides/slide14.xml><?xml version="1.0" encoding="utf-8"?>
 <p:sld xmlns:a="http://schemas.openxmlformats.org/drawingml/2006/main" xmlns:r="http://schemas.openxmlformats.org/officeDocument/2006/relationships" xmlns:p="http://schemas.openxmlformats.org/presentationml/2006/main">
   <p:cSld>
     <p:spTree>
@@ -4672,118 +5187,6 @@
 </p:sld>
 </file>
 
-<file path=ppt/slides/slide14.xml><?xml version="1.0" encoding="utf-8"?>
-<p:sld xmlns:a="http://schemas.openxmlformats.org/drawingml/2006/main" xmlns:r="http://schemas.openxmlformats.org/officeDocument/2006/relationships" xmlns:p="http://schemas.openxmlformats.org/presentationml/2006/main">
-  <p:cSld>
-    <p:spTree>
-      <p:nvGrpSpPr>
-        <p:cNvPr id="1" name=""/>
-        <p:cNvGrpSpPr/>
-        <p:nvPr/>
-      </p:nvGrpSpPr>
-      <p:grpSpPr>
-        <a:xfrm>
-          <a:off x="0" y="0"/>
-          <a:ext cx="0" cy="0"/>
-          <a:chOff x="0" y="0"/>
-          <a:chExt cx="0" cy="0"/>
-        </a:xfrm>
-      </p:grpSpPr>
-      <p:sp>
-        <p:nvSpPr>
-          <p:cNvPr id="2" name="标题 1"/>
-          <p:cNvSpPr>
-            <a:spLocks noGrp="1"/>
-          </p:cNvSpPr>
-          <p:nvPr>
-            <p:ph type="title"/>
-          </p:nvPr>
-        </p:nvSpPr>
-        <p:spPr/>
-        <p:txBody>
-          <a:bodyPr/>
-          <a:lstStyle/>
-          <a:p>
-            <a:r>
-              <a:rPr lang="en-US" altLang="zh-CN" dirty="0" smtClean="0"/>
-              <a:t>Loss function</a:t>
-            </a:r>
-            <a:endParaRPr lang="zh-CN" altLang="en-US" dirty="0"/>
-          </a:p>
-        </p:txBody>
-      </p:sp>
-      <p:pic>
-        <p:nvPicPr>
-          <p:cNvPr id="4" name="内容占位符 3"/>
-          <p:cNvPicPr>
-            <a:picLocks noGrp="1" noChangeAspect="1"/>
-          </p:cNvPicPr>
-          <p:nvPr>
-            <p:ph idx="1"/>
-          </p:nvPr>
-        </p:nvPicPr>
-        <p:blipFill>
-          <a:blip r:embed="rId3">
-            <a:extLst>
-              <a:ext uri="{28A0092B-C50C-407E-A947-70E740481C1C}">
-                <a14:useLocalDpi xmlns:a14="http://schemas.microsoft.com/office/drawing/2010/main" val="0"/>
-              </a:ext>
-            </a:extLst>
-          </a:blip>
-          <a:stretch>
-            <a:fillRect/>
-          </a:stretch>
-        </p:blipFill>
-        <p:spPr>
-          <a:xfrm>
-            <a:off x="2358867" y="1855138"/>
-            <a:ext cx="6811326" cy="2486372"/>
-          </a:xfrm>
-        </p:spPr>
-      </p:pic>
-      <p:pic>
-        <p:nvPicPr>
-          <p:cNvPr id="5" name="图片 4"/>
-          <p:cNvPicPr>
-            <a:picLocks noChangeAspect="1"/>
-          </p:cNvPicPr>
-          <p:nvPr/>
-        </p:nvPicPr>
-        <p:blipFill>
-          <a:blip r:embed="rId4">
-            <a:extLst>
-              <a:ext uri="{28A0092B-C50C-407E-A947-70E740481C1C}">
-                <a14:useLocalDpi xmlns:a14="http://schemas.microsoft.com/office/drawing/2010/main" val="0"/>
-              </a:ext>
-            </a:extLst>
-          </a:blip>
-          <a:stretch>
-            <a:fillRect/>
-          </a:stretch>
-        </p:blipFill>
-        <p:spPr>
-          <a:xfrm>
-            <a:off x="2358867" y="4926386"/>
-            <a:ext cx="6849431" cy="1257475"/>
-          </a:xfrm>
-          <a:prstGeom prst="rect">
-            <a:avLst/>
-          </a:prstGeom>
-        </p:spPr>
-      </p:pic>
-    </p:spTree>
-    <p:extLst>
-      <p:ext uri="{BB962C8B-B14F-4D97-AF65-F5344CB8AC3E}">
-        <p14:creationId xmlns:p14="http://schemas.microsoft.com/office/powerpoint/2010/main" val="362621771"/>
-      </p:ext>
-    </p:extLst>
-  </p:cSld>
-  <p:clrMapOvr>
-    <a:masterClrMapping/>
-  </p:clrMapOvr>
-</p:sld>
-</file>
-
 <file path=ppt/slides/slide15.xml><?xml version="1.0" encoding="utf-8"?>
 <p:sld xmlns:a="http://schemas.openxmlformats.org/drawingml/2006/main" xmlns:r="http://schemas.openxmlformats.org/officeDocument/2006/relationships" xmlns:p="http://schemas.openxmlformats.org/presentationml/2006/main">
   <p:cSld>
@@ -4818,6 +5221,565 @@
           <a:p>
             <a:r>
               <a:rPr lang="en-US" altLang="zh-CN" dirty="0" smtClean="0"/>
+              <a:t>Optimization</a:t>
+            </a:r>
+            <a:endParaRPr lang="zh-CN" altLang="en-US" dirty="0"/>
+          </a:p>
+        </p:txBody>
+      </p:sp>
+      <p:pic>
+        <p:nvPicPr>
+          <p:cNvPr id="4" name="内容占位符 3"/>
+          <p:cNvPicPr>
+            <a:picLocks noGrp="1" noChangeAspect="1"/>
+          </p:cNvPicPr>
+          <p:nvPr>
+            <p:ph sz="half" idx="1"/>
+          </p:nvPr>
+        </p:nvPicPr>
+        <p:blipFill>
+          <a:blip r:embed="rId3">
+            <a:extLst>
+              <a:ext uri="{28A0092B-C50C-407E-A947-70E740481C1C}">
+                <a14:useLocalDpi xmlns:a14="http://schemas.microsoft.com/office/drawing/2010/main" val="0"/>
+              </a:ext>
+            </a:extLst>
+          </a:blip>
+          <a:stretch>
+            <a:fillRect/>
+          </a:stretch>
+        </p:blipFill>
+        <p:spPr>
+          <a:xfrm>
+            <a:off x="731108" y="2134543"/>
+            <a:ext cx="5181600" cy="1891465"/>
+          </a:xfrm>
+        </p:spPr>
+      </p:pic>
+      <p:pic>
+        <p:nvPicPr>
+          <p:cNvPr id="7" name="内容占位符 6"/>
+          <p:cNvPicPr>
+            <a:picLocks noGrp="1" noChangeAspect="1"/>
+          </p:cNvPicPr>
+          <p:nvPr>
+            <p:ph sz="half" idx="2"/>
+          </p:nvPr>
+        </p:nvPicPr>
+        <p:blipFill>
+          <a:blip r:embed="rId4">
+            <a:extLst>
+              <a:ext uri="{28A0092B-C50C-407E-A947-70E740481C1C}">
+                <a14:useLocalDpi xmlns:a14="http://schemas.microsoft.com/office/drawing/2010/main" val="0"/>
+              </a:ext>
+            </a:extLst>
+          </a:blip>
+          <a:stretch>
+            <a:fillRect/>
+          </a:stretch>
+        </p:blipFill>
+        <p:spPr>
+          <a:xfrm>
+            <a:off x="6541085" y="2050411"/>
+            <a:ext cx="5090601" cy="3269263"/>
+          </a:xfrm>
+        </p:spPr>
+      </p:pic>
+      <p:pic>
+        <p:nvPicPr>
+          <p:cNvPr id="5" name="图片 4"/>
+          <p:cNvPicPr>
+            <a:picLocks noChangeAspect="1"/>
+          </p:cNvPicPr>
+          <p:nvPr/>
+        </p:nvPicPr>
+        <p:blipFill>
+          <a:blip r:embed="rId5">
+            <a:extLst>
+              <a:ext uri="{28A0092B-C50C-407E-A947-70E740481C1C}">
+                <a14:useLocalDpi xmlns:a14="http://schemas.microsoft.com/office/drawing/2010/main" val="0"/>
+              </a:ext>
+            </a:extLst>
+          </a:blip>
+          <a:stretch>
+            <a:fillRect/>
+          </a:stretch>
+        </p:blipFill>
+        <p:spPr>
+          <a:xfrm>
+            <a:off x="633759" y="4469863"/>
+            <a:ext cx="5590482" cy="1257475"/>
+          </a:xfrm>
+          <a:prstGeom prst="rect">
+            <a:avLst/>
+          </a:prstGeom>
+        </p:spPr>
+      </p:pic>
+      <p:sp>
+        <p:nvSpPr>
+          <p:cNvPr id="6" name="文本框 5"/>
+          <p:cNvSpPr txBox="1"/>
+          <p:nvPr/>
+        </p:nvSpPr>
+        <p:spPr>
+          <a:xfrm>
+            <a:off x="731108" y="1681079"/>
+            <a:ext cx="1537600" cy="369332"/>
+          </a:xfrm>
+          <a:prstGeom prst="rect">
+            <a:avLst/>
+          </a:prstGeom>
+          <a:noFill/>
+        </p:spPr>
+        <p:txBody>
+          <a:bodyPr wrap="none" rtlCol="0">
+            <a:spAutoFit/>
+          </a:bodyPr>
+          <a:lstStyle/>
+          <a:p>
+            <a:r>
+              <a:rPr lang="en-US" altLang="zh-CN" dirty="0" smtClean="0"/>
+              <a:t>Loss function: </a:t>
+            </a:r>
+            <a:endParaRPr lang="zh-CN" altLang="en-US" dirty="0"/>
+          </a:p>
+        </p:txBody>
+      </p:sp>
+      <p:sp>
+        <p:nvSpPr>
+          <p:cNvPr id="8" name="文本框 7"/>
+          <p:cNvSpPr txBox="1"/>
+          <p:nvPr/>
+        </p:nvSpPr>
+        <p:spPr>
+          <a:xfrm>
+            <a:off x="6541085" y="1765211"/>
+            <a:ext cx="1070517" cy="369332"/>
+          </a:xfrm>
+          <a:prstGeom prst="rect">
+            <a:avLst/>
+          </a:prstGeom>
+          <a:noFill/>
+        </p:spPr>
+        <p:txBody>
+          <a:bodyPr wrap="square" rtlCol="0">
+            <a:spAutoFit/>
+          </a:bodyPr>
+          <a:lstStyle/>
+          <a:p>
+            <a:r>
+              <a:rPr lang="en-US" altLang="zh-CN" dirty="0" smtClean="0"/>
+              <a:t>Gradient: </a:t>
+            </a:r>
+            <a:endParaRPr lang="zh-CN" altLang="en-US" dirty="0"/>
+          </a:p>
+        </p:txBody>
+      </p:sp>
+    </p:spTree>
+    <p:extLst>
+      <p:ext uri="{BB962C8B-B14F-4D97-AF65-F5344CB8AC3E}">
+        <p14:creationId xmlns:p14="http://schemas.microsoft.com/office/powerpoint/2010/main" val="362621771"/>
+      </p:ext>
+    </p:extLst>
+  </p:cSld>
+  <p:clrMapOvr>
+    <a:masterClrMapping/>
+  </p:clrMapOvr>
+</p:sld>
+</file>
+
+<file path=ppt/slides/slide16.xml><?xml version="1.0" encoding="utf-8"?>
+<p:sld xmlns:a="http://schemas.openxmlformats.org/drawingml/2006/main" xmlns:r="http://schemas.openxmlformats.org/officeDocument/2006/relationships" xmlns:p="http://schemas.openxmlformats.org/presentationml/2006/main">
+  <p:cSld>
+    <p:spTree>
+      <p:nvGrpSpPr>
+        <p:cNvPr id="1" name=""/>
+        <p:cNvGrpSpPr/>
+        <p:nvPr/>
+      </p:nvGrpSpPr>
+      <p:grpSpPr>
+        <a:xfrm>
+          <a:off x="0" y="0"/>
+          <a:ext cx="0" cy="0"/>
+          <a:chOff x="0" y="0"/>
+          <a:chExt cx="0" cy="0"/>
+        </a:xfrm>
+      </p:grpSpPr>
+      <p:sp>
+        <p:nvSpPr>
+          <p:cNvPr id="2" name="标题 1"/>
+          <p:cNvSpPr>
+            <a:spLocks noGrp="1"/>
+          </p:cNvSpPr>
+          <p:nvPr>
+            <p:ph type="title"/>
+          </p:nvPr>
+        </p:nvSpPr>
+        <p:spPr/>
+        <p:txBody>
+          <a:bodyPr/>
+          <a:lstStyle/>
+          <a:p>
+            <a:r>
+              <a:rPr lang="en-US" altLang="zh-CN" dirty="0" smtClean="0"/>
+              <a:t>CDL</a:t>
+            </a:r>
+            <a:endParaRPr lang="zh-CN" altLang="en-US" dirty="0"/>
+          </a:p>
+        </p:txBody>
+      </p:sp>
+      <p:pic>
+        <p:nvPicPr>
+          <p:cNvPr id="5" name="内容占位符 4"/>
+          <p:cNvPicPr>
+            <a:picLocks noGrp="1" noChangeAspect="1"/>
+          </p:cNvPicPr>
+          <p:nvPr>
+            <p:ph sz="half" idx="1"/>
+          </p:nvPr>
+        </p:nvPicPr>
+        <p:blipFill>
+          <a:blip r:embed="rId3">
+            <a:extLst>
+              <a:ext uri="{28A0092B-C50C-407E-A947-70E740481C1C}">
+                <a14:useLocalDpi xmlns:a14="http://schemas.microsoft.com/office/drawing/2010/main" val="0"/>
+              </a:ext>
+            </a:extLst>
+          </a:blip>
+          <a:stretch>
+            <a:fillRect/>
+          </a:stretch>
+        </p:blipFill>
+        <p:spPr>
+          <a:xfrm>
+            <a:off x="1155422" y="2274414"/>
+            <a:ext cx="4580255" cy="3449053"/>
+          </a:xfrm>
+        </p:spPr>
+      </p:pic>
+      <p:pic>
+        <p:nvPicPr>
+          <p:cNvPr id="6" name="内容占位符 5"/>
+          <p:cNvPicPr>
+            <a:picLocks noGrp="1" noChangeAspect="1"/>
+          </p:cNvPicPr>
+          <p:nvPr>
+            <p:ph sz="half" idx="2"/>
+          </p:nvPr>
+        </p:nvPicPr>
+        <p:blipFill>
+          <a:blip r:embed="rId4">
+            <a:extLst>
+              <a:ext uri="{28A0092B-C50C-407E-A947-70E740481C1C}">
+                <a14:useLocalDpi xmlns:a14="http://schemas.microsoft.com/office/drawing/2010/main" val="0"/>
+              </a:ext>
+            </a:extLst>
+          </a:blip>
+          <a:stretch>
+            <a:fillRect/>
+          </a:stretch>
+        </p:blipFill>
+        <p:spPr>
+          <a:xfrm>
+            <a:off x="2506887" y="5770328"/>
+            <a:ext cx="2149026" cy="624894"/>
+          </a:xfrm>
+        </p:spPr>
+      </p:pic>
+      <p:pic>
+        <p:nvPicPr>
+          <p:cNvPr id="7" name="图片 6"/>
+          <p:cNvPicPr>
+            <a:picLocks noChangeAspect="1"/>
+          </p:cNvPicPr>
+          <p:nvPr/>
+        </p:nvPicPr>
+        <p:blipFill>
+          <a:blip r:embed="rId5">
+            <a:extLst>
+              <a:ext uri="{28A0092B-C50C-407E-A947-70E740481C1C}">
+                <a14:useLocalDpi xmlns:a14="http://schemas.microsoft.com/office/drawing/2010/main" val="0"/>
+              </a:ext>
+            </a:extLst>
+          </a:blip>
+          <a:stretch>
+            <a:fillRect/>
+          </a:stretch>
+        </p:blipFill>
+        <p:spPr>
+          <a:xfrm>
+            <a:off x="6272574" y="2913131"/>
+            <a:ext cx="5494496" cy="2476715"/>
+          </a:xfrm>
+          <a:prstGeom prst="rect">
+            <a:avLst/>
+          </a:prstGeom>
+        </p:spPr>
+      </p:pic>
+      <p:sp>
+        <p:nvSpPr>
+          <p:cNvPr id="8" name="文本框 7"/>
+          <p:cNvSpPr txBox="1"/>
+          <p:nvPr/>
+        </p:nvSpPr>
+        <p:spPr>
+          <a:xfrm>
+            <a:off x="6272574" y="2274414"/>
+            <a:ext cx="1572866" cy="369332"/>
+          </a:xfrm>
+          <a:prstGeom prst="rect">
+            <a:avLst/>
+          </a:prstGeom>
+          <a:noFill/>
+        </p:spPr>
+        <p:txBody>
+          <a:bodyPr wrap="none" rtlCol="0">
+            <a:spAutoFit/>
+          </a:bodyPr>
+          <a:lstStyle/>
+          <a:p>
+            <a:r>
+              <a:rPr lang="en-US" altLang="zh-CN" dirty="0" smtClean="0"/>
+              <a:t>Loss Function: </a:t>
+            </a:r>
+            <a:endParaRPr lang="zh-CN" altLang="en-US" dirty="0"/>
+          </a:p>
+        </p:txBody>
+      </p:sp>
+    </p:spTree>
+    <p:extLst>
+      <p:ext uri="{BB962C8B-B14F-4D97-AF65-F5344CB8AC3E}">
+        <p14:creationId xmlns:p14="http://schemas.microsoft.com/office/powerpoint/2010/main" val="2812435507"/>
+      </p:ext>
+    </p:extLst>
+  </p:cSld>
+  <p:clrMapOvr>
+    <a:masterClrMapping/>
+  </p:clrMapOvr>
+</p:sld>
+</file>
+
+<file path=ppt/slides/slide17.xml><?xml version="1.0" encoding="utf-8"?>
+<p:sld xmlns:a="http://schemas.openxmlformats.org/drawingml/2006/main" xmlns:r="http://schemas.openxmlformats.org/officeDocument/2006/relationships" xmlns:p="http://schemas.openxmlformats.org/presentationml/2006/main">
+  <p:cSld>
+    <p:spTree>
+      <p:nvGrpSpPr>
+        <p:cNvPr id="1" name=""/>
+        <p:cNvGrpSpPr/>
+        <p:nvPr/>
+      </p:nvGrpSpPr>
+      <p:grpSpPr>
+        <a:xfrm>
+          <a:off x="0" y="0"/>
+          <a:ext cx="0" cy="0"/>
+          <a:chOff x="0" y="0"/>
+          <a:chExt cx="0" cy="0"/>
+        </a:xfrm>
+      </p:grpSpPr>
+      <p:sp>
+        <p:nvSpPr>
+          <p:cNvPr id="2" name="标题 1"/>
+          <p:cNvSpPr>
+            <a:spLocks noGrp="1"/>
+          </p:cNvSpPr>
+          <p:nvPr>
+            <p:ph type="title"/>
+          </p:nvPr>
+        </p:nvSpPr>
+        <p:spPr/>
+        <p:txBody>
+          <a:bodyPr/>
+          <a:lstStyle/>
+          <a:p>
+            <a:r>
+              <a:rPr lang="en-US" altLang="zh-CN" dirty="0"/>
+              <a:t>DCF</a:t>
+            </a:r>
+            <a:endParaRPr lang="zh-CN" altLang="en-US" dirty="0"/>
+          </a:p>
+        </p:txBody>
+      </p:sp>
+      <p:pic>
+        <p:nvPicPr>
+          <p:cNvPr id="7" name="内容占位符 6"/>
+          <p:cNvPicPr>
+            <a:picLocks noGrp="1" noChangeAspect="1"/>
+          </p:cNvPicPr>
+          <p:nvPr>
+            <p:ph sz="half" idx="1"/>
+          </p:nvPr>
+        </p:nvPicPr>
+        <p:blipFill>
+          <a:blip r:embed="rId3">
+            <a:extLst>
+              <a:ext uri="{28A0092B-C50C-407E-A947-70E740481C1C}">
+                <a14:useLocalDpi xmlns:a14="http://schemas.microsoft.com/office/drawing/2010/main" val="0"/>
+              </a:ext>
+            </a:extLst>
+          </a:blip>
+          <a:stretch>
+            <a:fillRect/>
+          </a:stretch>
+        </p:blipFill>
+        <p:spPr>
+          <a:xfrm>
+            <a:off x="838200" y="1846913"/>
+            <a:ext cx="5181600" cy="2154381"/>
+          </a:xfrm>
+        </p:spPr>
+      </p:pic>
+      <p:pic>
+        <p:nvPicPr>
+          <p:cNvPr id="8" name="内容占位符 7"/>
+          <p:cNvPicPr>
+            <a:picLocks noGrp="1" noChangeAspect="1"/>
+          </p:cNvPicPr>
+          <p:nvPr>
+            <p:ph sz="half" idx="2"/>
+          </p:nvPr>
+        </p:nvPicPr>
+        <p:blipFill>
+          <a:blip r:embed="rId4">
+            <a:extLst>
+              <a:ext uri="{28A0092B-C50C-407E-A947-70E740481C1C}">
+                <a14:useLocalDpi xmlns:a14="http://schemas.microsoft.com/office/drawing/2010/main" val="0"/>
+              </a:ext>
+            </a:extLst>
+          </a:blip>
+          <a:stretch>
+            <a:fillRect/>
+          </a:stretch>
+        </p:blipFill>
+        <p:spPr>
+          <a:xfrm>
+            <a:off x="838200" y="4432273"/>
+            <a:ext cx="5181600" cy="1145259"/>
+          </a:xfrm>
+        </p:spPr>
+      </p:pic>
+      <p:sp>
+        <p:nvSpPr>
+          <p:cNvPr id="9" name="矩形 8"/>
+          <p:cNvSpPr/>
+          <p:nvPr/>
+        </p:nvSpPr>
+        <p:spPr>
+          <a:xfrm>
+            <a:off x="838200" y="4382429"/>
+            <a:ext cx="2217234" cy="211873"/>
+          </a:xfrm>
+          <a:prstGeom prst="rect">
+            <a:avLst/>
+          </a:prstGeom>
+          <a:solidFill>
+            <a:schemeClr val="bg1"/>
+          </a:solidFill>
+          <a:ln>
+            <a:noFill/>
+          </a:ln>
+        </p:spPr>
+        <p:style>
+          <a:lnRef idx="2">
+            <a:schemeClr val="accent1">
+              <a:shade val="50000"/>
+            </a:schemeClr>
+          </a:lnRef>
+          <a:fillRef idx="1">
+            <a:schemeClr val="accent1"/>
+          </a:fillRef>
+          <a:effectRef idx="0">
+            <a:schemeClr val="accent1"/>
+          </a:effectRef>
+          <a:fontRef idx="minor">
+            <a:schemeClr val="lt1"/>
+          </a:fontRef>
+        </p:style>
+        <p:txBody>
+          <a:bodyPr rtlCol="0" anchor="ctr"/>
+          <a:lstStyle/>
+          <a:p>
+            <a:pPr algn="ctr"/>
+            <a:endParaRPr lang="zh-CN" altLang="en-US"/>
+          </a:p>
+        </p:txBody>
+      </p:sp>
+      <p:pic>
+        <p:nvPicPr>
+          <p:cNvPr id="10" name="图片 9"/>
+          <p:cNvPicPr>
+            <a:picLocks noChangeAspect="1"/>
+          </p:cNvPicPr>
+          <p:nvPr/>
+        </p:nvPicPr>
+        <p:blipFill>
+          <a:blip r:embed="rId5">
+            <a:extLst>
+              <a:ext uri="{28A0092B-C50C-407E-A947-70E740481C1C}">
+                <a14:useLocalDpi xmlns:a14="http://schemas.microsoft.com/office/drawing/2010/main" val="0"/>
+              </a:ext>
+            </a:extLst>
+          </a:blip>
+          <a:stretch>
+            <a:fillRect/>
+          </a:stretch>
+        </p:blipFill>
+        <p:spPr>
+          <a:xfrm>
+            <a:off x="6281803" y="1184023"/>
+            <a:ext cx="5471634" cy="4900085"/>
+          </a:xfrm>
+          <a:prstGeom prst="rect">
+            <a:avLst/>
+          </a:prstGeom>
+        </p:spPr>
+      </p:pic>
+    </p:spTree>
+    <p:extLst>
+      <p:ext uri="{BB962C8B-B14F-4D97-AF65-F5344CB8AC3E}">
+        <p14:creationId xmlns:p14="http://schemas.microsoft.com/office/powerpoint/2010/main" val="1609838135"/>
+      </p:ext>
+    </p:extLst>
+  </p:cSld>
+  <p:clrMapOvr>
+    <a:masterClrMapping/>
+  </p:clrMapOvr>
+</p:sld>
+</file>
+
+<file path=ppt/slides/slide18.xml><?xml version="1.0" encoding="utf-8"?>
+<p:sld xmlns:a="http://schemas.openxmlformats.org/drawingml/2006/main" xmlns:r="http://schemas.openxmlformats.org/officeDocument/2006/relationships" xmlns:p="http://schemas.openxmlformats.org/presentationml/2006/main">
+  <p:cSld>
+    <p:spTree>
+      <p:nvGrpSpPr>
+        <p:cNvPr id="1" name=""/>
+        <p:cNvGrpSpPr/>
+        <p:nvPr/>
+      </p:nvGrpSpPr>
+      <p:grpSpPr>
+        <a:xfrm>
+          <a:off x="0" y="0"/>
+          <a:ext cx="0" cy="0"/>
+          <a:chOff x="0" y="0"/>
+          <a:chExt cx="0" cy="0"/>
+        </a:xfrm>
+      </p:grpSpPr>
+      <p:sp>
+        <p:nvSpPr>
+          <p:cNvPr id="2" name="标题 1"/>
+          <p:cNvSpPr>
+            <a:spLocks noGrp="1"/>
+          </p:cNvSpPr>
+          <p:nvPr>
+            <p:ph type="title"/>
+          </p:nvPr>
+        </p:nvSpPr>
+        <p:spPr/>
+        <p:txBody>
+          <a:bodyPr/>
+          <a:lstStyle/>
+          <a:p>
+            <a:r>
+              <a:rPr lang="en-US" altLang="zh-CN" dirty="0" smtClean="0"/>
               <a:t>Experiments</a:t>
             </a:r>
             <a:endParaRPr lang="zh-CN" altLang="en-US" dirty="0"/>
@@ -4938,7 +5900,7 @@
 </p:sld>
 </file>
 
-<file path=ppt/slides/slide16.xml><?xml version="1.0" encoding="utf-8"?>
+<file path=ppt/slides/slide19.xml><?xml version="1.0" encoding="utf-8"?>
 <p:sld xmlns:a="http://schemas.openxmlformats.org/drawingml/2006/main" xmlns:r="http://schemas.openxmlformats.org/officeDocument/2006/relationships" xmlns:p="http://schemas.openxmlformats.org/presentationml/2006/main">
   <p:cSld>
     <p:spTree>
@@ -5054,11 +6016,7 @@
           <a:p>
             <a:r>
               <a:rPr lang="en-US" altLang="zh-CN" dirty="0" smtClean="0"/>
-              <a:t>Structure</a:t>
-            </a:r>
-            <a:r>
-              <a:rPr lang="en-US" altLang="zh-CN" dirty="0" smtClean="0"/>
-              <a:t> of VBPR</a:t>
+              <a:t>Structure of VBPR</a:t>
             </a:r>
             <a:endParaRPr lang="zh-CN" altLang="en-US" dirty="0"/>
           </a:p>
@@ -5708,7 +6666,7 @@
           <a:p>
             <a:r>
               <a:rPr lang="en-US" altLang="zh-CN" dirty="0" smtClean="0"/>
-              <a:t>Experiments</a:t>
+              <a:t>Results</a:t>
             </a:r>
             <a:endParaRPr lang="zh-CN" altLang="en-US" dirty="0"/>
           </a:p>

--- a/RS/VBPR.pptx
+++ b/RS/VBPR.pptx
@@ -215,7 +215,7 @@
           <a:p>
             <a:fld id="{22F2A2B4-188B-454C-BDC2-713E51607E50}" type="datetimeFigureOut">
               <a:rPr lang="zh-CN" altLang="en-US" smtClean="0"/>
-              <a:t>2017/5/23</a:t>
+              <a:t>2017/6/13</a:t>
             </a:fld>
             <a:endParaRPr lang="zh-CN" altLang="en-US"/>
           </a:p>
@@ -827,6 +827,90 @@
 </p:notes>
 </file>
 
+<file path=ppt/notesSlides/notesSlide13.xml><?xml version="1.0" encoding="utf-8"?>
+<p:notes xmlns:a="http://schemas.openxmlformats.org/drawingml/2006/main" xmlns:r="http://schemas.openxmlformats.org/officeDocument/2006/relationships" xmlns:p="http://schemas.openxmlformats.org/presentationml/2006/main">
+  <p:cSld>
+    <p:spTree>
+      <p:nvGrpSpPr>
+        <p:cNvPr id="1" name=""/>
+        <p:cNvGrpSpPr/>
+        <p:nvPr/>
+      </p:nvGrpSpPr>
+      <p:grpSpPr>
+        <a:xfrm>
+          <a:off x="0" y="0"/>
+          <a:ext cx="0" cy="0"/>
+          <a:chOff x="0" y="0"/>
+          <a:chExt cx="0" cy="0"/>
+        </a:xfrm>
+      </p:grpSpPr>
+      <p:sp>
+        <p:nvSpPr>
+          <p:cNvPr id="2" name="幻灯片图像占位符 1"/>
+          <p:cNvSpPr>
+            <a:spLocks noGrp="1" noRot="1" noChangeAspect="1"/>
+          </p:cNvSpPr>
+          <p:nvPr>
+            <p:ph type="sldImg"/>
+          </p:nvPr>
+        </p:nvSpPr>
+        <p:spPr/>
+      </p:sp>
+      <p:sp>
+        <p:nvSpPr>
+          <p:cNvPr id="3" name="备注占位符 2"/>
+          <p:cNvSpPr>
+            <a:spLocks noGrp="1"/>
+          </p:cNvSpPr>
+          <p:nvPr>
+            <p:ph type="body" idx="1"/>
+          </p:nvPr>
+        </p:nvSpPr>
+        <p:spPr/>
+        <p:txBody>
+          <a:bodyPr/>
+          <a:lstStyle/>
+          <a:p>
+            <a:endParaRPr lang="zh-CN" altLang="en-US" dirty="0"/>
+          </a:p>
+        </p:txBody>
+      </p:sp>
+      <p:sp>
+        <p:nvSpPr>
+          <p:cNvPr id="4" name="灯片编号占位符 3"/>
+          <p:cNvSpPr>
+            <a:spLocks noGrp="1"/>
+          </p:cNvSpPr>
+          <p:nvPr>
+            <p:ph type="sldNum" sz="quarter" idx="10"/>
+          </p:nvPr>
+        </p:nvSpPr>
+        <p:spPr/>
+        <p:txBody>
+          <a:bodyPr/>
+          <a:lstStyle/>
+          <a:p>
+            <a:fld id="{D7BBD2E6-2CA2-4FF8-A159-E67D50352D75}" type="slidenum">
+              <a:rPr lang="zh-CN" altLang="en-US" smtClean="0"/>
+              <a:t>19</a:t>
+            </a:fld>
+            <a:endParaRPr lang="zh-CN" altLang="en-US"/>
+          </a:p>
+        </p:txBody>
+      </p:sp>
+    </p:spTree>
+    <p:extLst>
+      <p:ext uri="{BB962C8B-B14F-4D97-AF65-F5344CB8AC3E}">
+        <p14:creationId xmlns:p14="http://schemas.microsoft.com/office/powerpoint/2010/main" val="227893269"/>
+      </p:ext>
+    </p:extLst>
+  </p:cSld>
+  <p:clrMapOvr>
+    <a:masterClrMapping/>
+  </p:clrMapOvr>
+</p:notes>
+</file>
+
 <file path=ppt/notesSlides/notesSlide2.xml><?xml version="1.0" encoding="utf-8"?>
 <p:notes xmlns:a="http://schemas.openxmlformats.org/drawingml/2006/main" xmlns:r="http://schemas.openxmlformats.org/officeDocument/2006/relationships" xmlns:p="http://schemas.openxmlformats.org/presentationml/2006/main">
   <p:cSld>
@@ -1781,7 +1865,7 @@
           <a:p>
             <a:fld id="{362C170A-85A9-41F3-B04F-83D9FF212610}" type="datetimeFigureOut">
               <a:rPr lang="zh-CN" altLang="en-US" smtClean="0"/>
-              <a:t>2017/5/23</a:t>
+              <a:t>2017/6/13</a:t>
             </a:fld>
             <a:endParaRPr lang="zh-CN" altLang="en-US"/>
           </a:p>
@@ -1951,7 +2035,7 @@
           <a:p>
             <a:fld id="{362C170A-85A9-41F3-B04F-83D9FF212610}" type="datetimeFigureOut">
               <a:rPr lang="zh-CN" altLang="en-US" smtClean="0"/>
-              <a:t>2017/5/23</a:t>
+              <a:t>2017/6/13</a:t>
             </a:fld>
             <a:endParaRPr lang="zh-CN" altLang="en-US"/>
           </a:p>
@@ -2131,7 +2215,7 @@
           <a:p>
             <a:fld id="{362C170A-85A9-41F3-B04F-83D9FF212610}" type="datetimeFigureOut">
               <a:rPr lang="zh-CN" altLang="en-US" smtClean="0"/>
-              <a:t>2017/5/23</a:t>
+              <a:t>2017/6/13</a:t>
             </a:fld>
             <a:endParaRPr lang="zh-CN" altLang="en-US"/>
           </a:p>
@@ -2301,7 +2385,7 @@
           <a:p>
             <a:fld id="{362C170A-85A9-41F3-B04F-83D9FF212610}" type="datetimeFigureOut">
               <a:rPr lang="zh-CN" altLang="en-US" smtClean="0"/>
-              <a:t>2017/5/23</a:t>
+              <a:t>2017/6/13</a:t>
             </a:fld>
             <a:endParaRPr lang="zh-CN" altLang="en-US"/>
           </a:p>
@@ -2547,7 +2631,7 @@
           <a:p>
             <a:fld id="{362C170A-85A9-41F3-B04F-83D9FF212610}" type="datetimeFigureOut">
               <a:rPr lang="zh-CN" altLang="en-US" smtClean="0"/>
-              <a:t>2017/5/23</a:t>
+              <a:t>2017/6/13</a:t>
             </a:fld>
             <a:endParaRPr lang="zh-CN" altLang="en-US"/>
           </a:p>
@@ -2779,7 +2863,7 @@
           <a:p>
             <a:fld id="{362C170A-85A9-41F3-B04F-83D9FF212610}" type="datetimeFigureOut">
               <a:rPr lang="zh-CN" altLang="en-US" smtClean="0"/>
-              <a:t>2017/5/23</a:t>
+              <a:t>2017/6/13</a:t>
             </a:fld>
             <a:endParaRPr lang="zh-CN" altLang="en-US"/>
           </a:p>
@@ -3146,7 +3230,7 @@
           <a:p>
             <a:fld id="{362C170A-85A9-41F3-B04F-83D9FF212610}" type="datetimeFigureOut">
               <a:rPr lang="zh-CN" altLang="en-US" smtClean="0"/>
-              <a:t>2017/5/23</a:t>
+              <a:t>2017/6/13</a:t>
             </a:fld>
             <a:endParaRPr lang="zh-CN" altLang="en-US"/>
           </a:p>
@@ -3264,7 +3348,7 @@
           <a:p>
             <a:fld id="{362C170A-85A9-41F3-B04F-83D9FF212610}" type="datetimeFigureOut">
               <a:rPr lang="zh-CN" altLang="en-US" smtClean="0"/>
-              <a:t>2017/5/23</a:t>
+              <a:t>2017/6/13</a:t>
             </a:fld>
             <a:endParaRPr lang="zh-CN" altLang="en-US"/>
           </a:p>
@@ -3359,7 +3443,7 @@
           <a:p>
             <a:fld id="{362C170A-85A9-41F3-B04F-83D9FF212610}" type="datetimeFigureOut">
               <a:rPr lang="zh-CN" altLang="en-US" smtClean="0"/>
-              <a:t>2017/5/23</a:t>
+              <a:t>2017/6/13</a:t>
             </a:fld>
             <a:endParaRPr lang="zh-CN" altLang="en-US"/>
           </a:p>
@@ -3636,7 +3720,7 @@
           <a:p>
             <a:fld id="{362C170A-85A9-41F3-B04F-83D9FF212610}" type="datetimeFigureOut">
               <a:rPr lang="zh-CN" altLang="en-US" smtClean="0"/>
-              <a:t>2017/5/23</a:t>
+              <a:t>2017/6/13</a:t>
             </a:fld>
             <a:endParaRPr lang="zh-CN" altLang="en-US"/>
           </a:p>
@@ -3889,7 +3973,7 @@
           <a:p>
             <a:fld id="{362C170A-85A9-41F3-B04F-83D9FF212610}" type="datetimeFigureOut">
               <a:rPr lang="zh-CN" altLang="en-US" smtClean="0"/>
-              <a:t>2017/5/23</a:t>
+              <a:t>2017/6/13</a:t>
             </a:fld>
             <a:endParaRPr lang="zh-CN" altLang="en-US"/>
           </a:p>
@@ -4102,7 +4186,7 @@
           <a:p>
             <a:fld id="{362C170A-85A9-41F3-B04F-83D9FF212610}" type="datetimeFigureOut">
               <a:rPr lang="zh-CN" altLang="en-US" smtClean="0"/>
-              <a:t>2017/5/23</a:t>
+              <a:t>2017/6/13</a:t>
             </a:fld>
             <a:endParaRPr lang="zh-CN" altLang="en-US"/>
           </a:p>
@@ -5951,7 +6035,7 @@
           </p:nvPr>
         </p:nvPicPr>
         <p:blipFill>
-          <a:blip r:embed="rId2">
+          <a:blip r:embed="rId3">
             <a:extLst>
               <a:ext uri="{28A0092B-C50C-407E-A947-70E740481C1C}">
                 <a14:useLocalDpi xmlns:a14="http://schemas.microsoft.com/office/drawing/2010/main" val="0"/>
@@ -6344,7 +6428,7 @@
         <p:spPr>
           <a:xfrm>
             <a:off x="1504708" y="1944546"/>
-            <a:ext cx="1923860" cy="369332"/>
+            <a:ext cx="1698157" cy="369332"/>
           </a:xfrm>
           <a:prstGeom prst="rect">
             <a:avLst/>
@@ -6359,7 +6443,23 @@
           <a:p>
             <a:r>
               <a:rPr lang="en-US" altLang="zh-CN" dirty="0" smtClean="0"/>
-              <a:t>1. Change dataset:</a:t>
+              <a:t>1. </a:t>
+            </a:r>
+            <a:r>
+              <a:rPr lang="en-US" altLang="zh-CN" dirty="0" smtClean="0"/>
+              <a:t>B</a:t>
+            </a:r>
+            <a:r>
+              <a:rPr lang="en-US" altLang="zh-CN" dirty="0" smtClean="0"/>
+              <a:t>uild</a:t>
+            </a:r>
+            <a:r>
+              <a:rPr lang="en-US" altLang="zh-CN" dirty="0" smtClean="0"/>
+              <a:t> </a:t>
+            </a:r>
+            <a:r>
+              <a:rPr lang="en-US" altLang="zh-CN" dirty="0" smtClean="0"/>
+              <a:t>dataset:</a:t>
             </a:r>
             <a:endParaRPr lang="zh-CN" altLang="en-US" dirty="0"/>
           </a:p>
